--- a/How Data Structure power your favourite APP.pptx
+++ b/How Data Structure power your favourite APP.pptx
@@ -235,7 +235,7 @@
           <a:p>
             <a:fld id="{FE5B4EDC-59C0-49C7-8ADA-5A781B329E02}" type="datetimeFigureOut">
               <a:rPr lang="en-US"/>
-              <a:t>11/13/2024</a:t>
+              <a:t>11/14/2024</a:t>
             </a:fld>
             <a:endParaRPr/>
           </a:p>
@@ -400,7 +400,7 @@
           <a:p>
             <a:fld id="{F2D8D46A-B586-417D-BFBD-8C8FE0AAF762}" type="datetimeFigureOut">
               <a:rPr lang="en-US"/>
-              <a:t>11/13/2024</a:t>
+              <a:t>11/14/2024</a:t>
             </a:fld>
             <a:endParaRPr/>
           </a:p>
@@ -1502,7 +1502,7 @@
           <a:p>
             <a:fld id="{F0DFD029-FB74-4578-B929-F66AA97659CA}" type="datetimeFigureOut">
               <a:rPr lang="en-US"/>
-              <a:t>11/13/2024</a:t>
+              <a:t>11/14/2024</a:t>
             </a:fld>
             <a:endParaRPr/>
           </a:p>
@@ -1700,7 +1700,7 @@
           <a:p>
             <a:fld id="{F0DFD029-FB74-4578-B929-F66AA97659CA}" type="datetimeFigureOut">
               <a:rPr lang="en-US"/>
-              <a:t>11/13/2024</a:t>
+              <a:t>11/14/2024</a:t>
             </a:fld>
             <a:endParaRPr/>
           </a:p>
@@ -1908,7 +1908,7 @@
           <a:p>
             <a:fld id="{F0DFD029-FB74-4578-B929-F66AA97659CA}" type="datetimeFigureOut">
               <a:rPr lang="en-US"/>
-              <a:t>11/13/2024</a:t>
+              <a:t>11/14/2024</a:t>
             </a:fld>
             <a:endParaRPr/>
           </a:p>
@@ -2106,7 +2106,7 @@
           <a:p>
             <a:fld id="{F0DFD029-FB74-4578-B929-F66AA97659CA}" type="datetimeFigureOut">
               <a:rPr lang="en-US"/>
-              <a:t>11/13/2024</a:t>
+              <a:t>11/14/2024</a:t>
             </a:fld>
             <a:endParaRPr/>
           </a:p>
@@ -2538,7 +2538,7 @@
           <a:p>
             <a:fld id="{F0DFD029-FB74-4578-B929-F66AA97659CA}" type="datetimeFigureOut">
               <a:rPr lang="en-US"/>
-              <a:t>11/13/2024</a:t>
+              <a:t>11/14/2024</a:t>
             </a:fld>
             <a:endParaRPr/>
           </a:p>
@@ -2842,7 +2842,7 @@
           <a:p>
             <a:fld id="{F0DFD029-FB74-4578-B929-F66AA97659CA}" type="datetimeFigureOut">
               <a:rPr lang="en-US"/>
-              <a:t>11/13/2024</a:t>
+              <a:t>11/14/2024</a:t>
             </a:fld>
             <a:endParaRPr/>
           </a:p>
@@ -3298,7 +3298,7 @@
           <a:p>
             <a:fld id="{F0DFD029-FB74-4578-B929-F66AA97659CA}" type="datetimeFigureOut">
               <a:rPr lang="en-US"/>
-              <a:t>11/13/2024</a:t>
+              <a:t>11/14/2024</a:t>
             </a:fld>
             <a:endParaRPr/>
           </a:p>
@@ -3428,7 +3428,7 @@
           <a:p>
             <a:fld id="{F0DFD029-FB74-4578-B929-F66AA97659CA}" type="datetimeFigureOut">
               <a:rPr lang="en-US"/>
-              <a:t>11/13/2024</a:t>
+              <a:t>11/14/2024</a:t>
             </a:fld>
             <a:endParaRPr/>
           </a:p>
@@ -3535,7 +3535,7 @@
           <a:p>
             <a:fld id="{F0DFD029-FB74-4578-B929-F66AA97659CA}" type="datetimeFigureOut">
               <a:rPr lang="en-US"/>
-              <a:t>11/13/2024</a:t>
+              <a:t>11/14/2024</a:t>
             </a:fld>
             <a:endParaRPr/>
           </a:p>
@@ -3834,7 +3834,7 @@
           <a:p>
             <a:fld id="{F0DFD029-FB74-4578-B929-F66AA97659CA}" type="datetimeFigureOut">
               <a:rPr lang="en-US"/>
-              <a:t>11/13/2024</a:t>
+              <a:t>11/14/2024</a:t>
             </a:fld>
             <a:endParaRPr/>
           </a:p>
@@ -4122,7 +4122,7 @@
           <a:p>
             <a:fld id="{F0DFD029-FB74-4578-B929-F66AA97659CA}" type="datetimeFigureOut">
               <a:rPr lang="en-US"/>
-              <a:t>11/13/2024</a:t>
+              <a:t>11/14/2024</a:t>
             </a:fld>
             <a:endParaRPr/>
           </a:p>
@@ -4745,7 +4745,7 @@
             <a:fld id="{F0DFD029-FB74-4578-B929-F66AA97659CA}" type="datetimeFigureOut">
               <a:rPr lang="en-US"/>
               <a:pPr/>
-              <a:t>11/13/2024</a:t>
+              <a:t>11/14/2024</a:t>
             </a:fld>
             <a:endParaRPr/>
           </a:p>
@@ -7628,7 +7628,7 @@
             </a:pPr>
             <a:r>
               <a:rPr lang="en-US" sz="8000" dirty="0"/>
-              <a:t>In a fitness app, data structures plays a vital role that efficiently track and manage your workout data. Imagine logging your daily exercises and instantly seeing your progress—this happens seamlessly behind the scenes. For example, linked lists can be used to manage your workout sessions, allowing you to add, remove, and track exercises effortlessly. This makes your fitness journey smooth and enjoyable, ensuring that you stay motivated and on track to achieve your goals.</a:t>
+              <a:t>In a fitness app, data structures plays a vital role that efficiently track and manage your workout data. Imagine logging your daily exercises and instantly seeing your progress—this happens behind the scenes. For example, linked lists can be used to manage your workout sessions, allowing you to add, remove, and track exercises effortlessly. This makes your fitness journey smooth and enjoyable, ensuring that you stay motivated and on track to achieve your goals.</a:t>
             </a:r>
           </a:p>
           <a:p>
@@ -9615,15 +9615,6 @@
 </file>
 
 <file path=customXml/item1.xml><?xml version="1.0" encoding="utf-8"?>
-<?mso-contentType ?>
-<FormTemplates xmlns="http://schemas.microsoft.com/sharepoint/v3/contenttype/forms">
-  <Display>DocumentLibraryForm</Display>
-  <Edit>AssetEditForm</Edit>
-  <New>DocumentLibraryForm</New>
-</FormTemplates>
-</file>
-
-<file path=customXml/item2.xml><?xml version="1.0" encoding="utf-8"?>
 <ct:contentTypeSchema xmlns:ct="http://schemas.microsoft.com/office/2006/metadata/contentType" xmlns:ma="http://schemas.microsoft.com/office/2006/metadata/properties/metaAttributes" ct:_="" ma:_="" ma:contentTypeName="TemplateFile" ma:contentTypeID="0x0101006EDDDB5EE6D98C44930B742096920B300400F5B6D36B3EF94B4E9A635CDF2A18F5B8" ma:contentTypeVersion="72" ma:contentTypeDescription="Create a new document." ma:contentTypeScope="" ma:versionID="a23e56308344d904b51738559c3d67c9">
   <xsd:schema xmlns:xsd="http://www.w3.org/2001/XMLSchema" xmlns:xs="http://www.w3.org/2001/XMLSchema" xmlns:p="http://schemas.microsoft.com/office/2006/metadata/properties" xmlns:ns2="4873beb7-5857-4685-be1f-d57550cc96cc" targetNamespace="http://schemas.microsoft.com/office/2006/metadata/properties" ma:root="true" ma:fieldsID="cd0908cc4600e77bf5da051303e00c8d" ns2:_="">
     <xsd:import namespace="4873beb7-5857-4685-be1f-d57550cc96cc"/>
@@ -10661,6 +10652,15 @@
     <xs:element name="TermId" type="xs:string"/>
   </xs:schema>
 </ct:contentTypeSchema>
+</file>
+
+<file path=customXml/item2.xml><?xml version="1.0" encoding="utf-8"?>
+<?mso-contentType ?>
+<FormTemplates xmlns="http://schemas.microsoft.com/sharepoint/v3/contenttype/forms">
+  <Display>DocumentLibraryForm</Display>
+  <Edit>AssetEditForm</Edit>
+  <New>DocumentLibraryForm</New>
+</FormTemplates>
 </file>
 
 <file path=customXml/item3.xml><?xml version="1.0" encoding="utf-8"?>
@@ -10800,14 +10800,6 @@
 </file>
 
 <file path=customXml/itemProps1.xml><?xml version="1.0" encoding="utf-8"?>
-<ds:datastoreItem xmlns:ds="http://schemas.openxmlformats.org/officeDocument/2006/customXml" ds:itemID="{3836F65B-1B07-41EE-A0E8-BC6EF3855225}">
-  <ds:schemaRefs>
-    <ds:schemaRef ds:uri="http://schemas.microsoft.com/sharepoint/v3/contenttype/forms"/>
-  </ds:schemaRefs>
-</ds:datastoreItem>
-</file>
-
-<file path=customXml/itemProps2.xml><?xml version="1.0" encoding="utf-8"?>
 <ds:datastoreItem xmlns:ds="http://schemas.openxmlformats.org/officeDocument/2006/customXml" ds:itemID="{A09BF4D4-EF60-4196-BFC3-9462D607978C}">
   <ds:schemaRefs>
     <ds:schemaRef ds:uri="http://schemas.microsoft.com/office/2006/metadata/contentType"/>
@@ -10821,6 +10813,14 @@
     <ds:schemaRef ds:uri="http://purl.org/dc/elements/1.1/"/>
     <ds:schemaRef ds:uri="http://purl.org/dc/terms/"/>
     <ds:schemaRef ds:uri="http://schemas.microsoft.com/internal/obd"/>
+  </ds:schemaRefs>
+</ds:datastoreItem>
+</file>
+
+<file path=customXml/itemProps2.xml><?xml version="1.0" encoding="utf-8"?>
+<ds:datastoreItem xmlns:ds="http://schemas.openxmlformats.org/officeDocument/2006/customXml" ds:itemID="{3836F65B-1B07-41EE-A0E8-BC6EF3855225}">
+  <ds:schemaRefs>
+    <ds:schemaRef ds:uri="http://schemas.microsoft.com/sharepoint/v3/contenttype/forms"/>
   </ds:schemaRefs>
 </ds:datastoreItem>
 </file>
